--- a/DOC/Preview.pptx
+++ b/DOC/Preview.pptx
@@ -106,6 +106,11 @@
       </a:defRPr>
     </a:lvl9pPr>
   </p:defaultTextStyle>
+  <p:extLst>
+    <p:ext uri="{EFAFB233-063F-42B5-8137-9DF3F51BA10A}">
+      <p15:sldGuideLst xmlns:p15="http://schemas.microsoft.com/office/powerpoint/2012/main"/>
+    </p:ext>
+  </p:extLst>
 </p:presentation>
 </file>
 
@@ -3681,6 +3686,310 @@
           </a:prstGeom>
         </p:spPr>
       </p:pic>
+      <p:sp>
+        <p:nvSpPr>
+          <p:cNvPr id="3" name="Rectangle 2">
+            <a:extLst>
+              <a:ext uri="{FF2B5EF4-FFF2-40B4-BE49-F238E27FC236}">
+                <a16:creationId xmlns:a16="http://schemas.microsoft.com/office/drawing/2014/main" id="{DD307EB5-8FE5-F075-3480-969215E841F4}"/>
+              </a:ext>
+            </a:extLst>
+          </p:cNvPr>
+          <p:cNvSpPr/>
+          <p:nvPr/>
+        </p:nvSpPr>
+        <p:spPr>
+          <a:xfrm>
+            <a:off x="4425698" y="3379626"/>
+            <a:ext cx="932884" cy="180438"/>
+          </a:xfrm>
+          <a:prstGeom prst="rect">
+            <a:avLst/>
+          </a:prstGeom>
+          <a:gradFill flip="none" rotWithShape="1">
+            <a:gsLst>
+              <a:gs pos="0">
+                <a:schemeClr val="accent1">
+                  <a:lumMod val="40000"/>
+                  <a:lumOff val="60000"/>
+                  <a:tint val="66000"/>
+                  <a:satMod val="160000"/>
+                </a:schemeClr>
+              </a:gs>
+              <a:gs pos="50000">
+                <a:schemeClr val="accent1">
+                  <a:lumMod val="40000"/>
+                  <a:lumOff val="60000"/>
+                  <a:tint val="44500"/>
+                  <a:satMod val="160000"/>
+                </a:schemeClr>
+              </a:gs>
+              <a:gs pos="100000">
+                <a:schemeClr val="accent1">
+                  <a:lumMod val="40000"/>
+                  <a:lumOff val="60000"/>
+                  <a:tint val="23500"/>
+                  <a:satMod val="160000"/>
+                </a:schemeClr>
+              </a:gs>
+            </a:gsLst>
+            <a:lin ang="2700000" scaled="1"/>
+            <a:tileRect/>
+          </a:gradFill>
+        </p:spPr>
+        <p:style>
+          <a:lnRef idx="2">
+            <a:schemeClr val="accent1">
+              <a:shade val="15000"/>
+            </a:schemeClr>
+          </a:lnRef>
+          <a:fillRef idx="1">
+            <a:schemeClr val="accent1"/>
+          </a:fillRef>
+          <a:effectRef idx="0">
+            <a:schemeClr val="accent1"/>
+          </a:effectRef>
+          <a:fontRef idx="minor">
+            <a:schemeClr val="lt1"/>
+          </a:fontRef>
+        </p:style>
+        <p:txBody>
+          <a:bodyPr rtlCol="0" anchor="ctr"/>
+          <a:lstStyle/>
+          <a:p>
+            <a:pPr algn="ctr"/>
+            <a:endParaRPr lang="en-IN"/>
+          </a:p>
+        </p:txBody>
+      </p:sp>
+      <p:sp>
+        <p:nvSpPr>
+          <p:cNvPr id="4" name="Rectangle 3">
+            <a:extLst>
+              <a:ext uri="{FF2B5EF4-FFF2-40B4-BE49-F238E27FC236}">
+                <a16:creationId xmlns:a16="http://schemas.microsoft.com/office/drawing/2014/main" id="{A791AF14-9E58-0734-D583-E1AB6E839DA4}"/>
+              </a:ext>
+            </a:extLst>
+          </p:cNvPr>
+          <p:cNvSpPr/>
+          <p:nvPr/>
+        </p:nvSpPr>
+        <p:spPr>
+          <a:xfrm>
+            <a:off x="5315908" y="1574903"/>
+            <a:ext cx="1133660" cy="146186"/>
+          </a:xfrm>
+          <a:prstGeom prst="rect">
+            <a:avLst/>
+          </a:prstGeom>
+          <a:gradFill flip="none" rotWithShape="1">
+            <a:gsLst>
+              <a:gs pos="0">
+                <a:schemeClr val="accent1">
+                  <a:lumMod val="40000"/>
+                  <a:lumOff val="60000"/>
+                  <a:tint val="66000"/>
+                  <a:satMod val="160000"/>
+                </a:schemeClr>
+              </a:gs>
+              <a:gs pos="50000">
+                <a:schemeClr val="accent1">
+                  <a:lumMod val="40000"/>
+                  <a:lumOff val="60000"/>
+                  <a:tint val="44500"/>
+                  <a:satMod val="160000"/>
+                </a:schemeClr>
+              </a:gs>
+              <a:gs pos="100000">
+                <a:schemeClr val="accent1">
+                  <a:lumMod val="40000"/>
+                  <a:lumOff val="60000"/>
+                  <a:tint val="23500"/>
+                  <a:satMod val="160000"/>
+                </a:schemeClr>
+              </a:gs>
+            </a:gsLst>
+            <a:lin ang="2700000" scaled="1"/>
+            <a:tileRect/>
+          </a:gradFill>
+        </p:spPr>
+        <p:style>
+          <a:lnRef idx="2">
+            <a:schemeClr val="accent1">
+              <a:shade val="15000"/>
+            </a:schemeClr>
+          </a:lnRef>
+          <a:fillRef idx="1">
+            <a:schemeClr val="accent1"/>
+          </a:fillRef>
+          <a:effectRef idx="0">
+            <a:schemeClr val="accent1"/>
+          </a:effectRef>
+          <a:fontRef idx="minor">
+            <a:schemeClr val="lt1"/>
+          </a:fontRef>
+        </p:style>
+        <p:txBody>
+          <a:bodyPr rtlCol="0" anchor="ctr"/>
+          <a:lstStyle/>
+          <a:p>
+            <a:pPr algn="ctr"/>
+            <a:endParaRPr lang="en-IN"/>
+          </a:p>
+        </p:txBody>
+      </p:sp>
+      <p:sp>
+        <p:nvSpPr>
+          <p:cNvPr id="5" name="Rectangle 4">
+            <a:extLst>
+              <a:ext uri="{FF2B5EF4-FFF2-40B4-BE49-F238E27FC236}">
+                <a16:creationId xmlns:a16="http://schemas.microsoft.com/office/drawing/2014/main" id="{E3D24782-439B-1BE8-E427-CD56C9C1A435}"/>
+              </a:ext>
+            </a:extLst>
+          </p:cNvPr>
+          <p:cNvSpPr/>
+          <p:nvPr/>
+        </p:nvSpPr>
+        <p:spPr>
+          <a:xfrm>
+            <a:off x="4425696" y="2956627"/>
+            <a:ext cx="932884" cy="180438"/>
+          </a:xfrm>
+          <a:prstGeom prst="rect">
+            <a:avLst/>
+          </a:prstGeom>
+          <a:gradFill flip="none" rotWithShape="1">
+            <a:gsLst>
+              <a:gs pos="0">
+                <a:schemeClr val="accent1">
+                  <a:lumMod val="40000"/>
+                  <a:lumOff val="60000"/>
+                  <a:tint val="66000"/>
+                  <a:satMod val="160000"/>
+                </a:schemeClr>
+              </a:gs>
+              <a:gs pos="50000">
+                <a:schemeClr val="accent1">
+                  <a:lumMod val="40000"/>
+                  <a:lumOff val="60000"/>
+                  <a:tint val="44500"/>
+                  <a:satMod val="160000"/>
+                </a:schemeClr>
+              </a:gs>
+              <a:gs pos="100000">
+                <a:schemeClr val="accent1">
+                  <a:lumMod val="40000"/>
+                  <a:lumOff val="60000"/>
+                  <a:tint val="23500"/>
+                  <a:satMod val="160000"/>
+                </a:schemeClr>
+              </a:gs>
+            </a:gsLst>
+            <a:lin ang="2700000" scaled="1"/>
+            <a:tileRect/>
+          </a:gradFill>
+        </p:spPr>
+        <p:style>
+          <a:lnRef idx="2">
+            <a:schemeClr val="accent1">
+              <a:shade val="15000"/>
+            </a:schemeClr>
+          </a:lnRef>
+          <a:fillRef idx="1">
+            <a:schemeClr val="accent1"/>
+          </a:fillRef>
+          <a:effectRef idx="0">
+            <a:schemeClr val="accent1"/>
+          </a:effectRef>
+          <a:fontRef idx="minor">
+            <a:schemeClr val="lt1"/>
+          </a:fontRef>
+        </p:style>
+        <p:txBody>
+          <a:bodyPr rtlCol="0" anchor="ctr"/>
+          <a:lstStyle/>
+          <a:p>
+            <a:pPr algn="ctr"/>
+            <a:endParaRPr lang="en-IN"/>
+          </a:p>
+        </p:txBody>
+      </p:sp>
+      <p:sp>
+        <p:nvSpPr>
+          <p:cNvPr id="6" name="Rectangle 5">
+            <a:extLst>
+              <a:ext uri="{FF2B5EF4-FFF2-40B4-BE49-F238E27FC236}">
+                <a16:creationId xmlns:a16="http://schemas.microsoft.com/office/drawing/2014/main" id="{9944C46D-B353-F7AC-5253-5B530365E4F2}"/>
+              </a:ext>
+            </a:extLst>
+          </p:cNvPr>
+          <p:cNvSpPr/>
+          <p:nvPr/>
+        </p:nvSpPr>
+        <p:spPr>
+          <a:xfrm>
+            <a:off x="8339524" y="1584178"/>
+            <a:ext cx="1133660" cy="146186"/>
+          </a:xfrm>
+          <a:prstGeom prst="rect">
+            <a:avLst/>
+          </a:prstGeom>
+          <a:gradFill flip="none" rotWithShape="1">
+            <a:gsLst>
+              <a:gs pos="0">
+                <a:schemeClr val="accent1">
+                  <a:lumMod val="40000"/>
+                  <a:lumOff val="60000"/>
+                  <a:tint val="66000"/>
+                  <a:satMod val="160000"/>
+                </a:schemeClr>
+              </a:gs>
+              <a:gs pos="50000">
+                <a:schemeClr val="accent1">
+                  <a:lumMod val="40000"/>
+                  <a:lumOff val="60000"/>
+                  <a:tint val="44500"/>
+                  <a:satMod val="160000"/>
+                </a:schemeClr>
+              </a:gs>
+              <a:gs pos="100000">
+                <a:schemeClr val="accent1">
+                  <a:lumMod val="40000"/>
+                  <a:lumOff val="60000"/>
+                  <a:tint val="23500"/>
+                  <a:satMod val="160000"/>
+                </a:schemeClr>
+              </a:gs>
+            </a:gsLst>
+            <a:lin ang="2700000" scaled="1"/>
+            <a:tileRect/>
+          </a:gradFill>
+        </p:spPr>
+        <p:style>
+          <a:lnRef idx="2">
+            <a:schemeClr val="accent1">
+              <a:shade val="15000"/>
+            </a:schemeClr>
+          </a:lnRef>
+          <a:fillRef idx="1">
+            <a:schemeClr val="accent1"/>
+          </a:fillRef>
+          <a:effectRef idx="0">
+            <a:schemeClr val="accent1"/>
+          </a:effectRef>
+          <a:fontRef idx="minor">
+            <a:schemeClr val="lt1"/>
+          </a:fontRef>
+        </p:style>
+        <p:txBody>
+          <a:bodyPr rtlCol="0" anchor="ctr"/>
+          <a:lstStyle/>
+          <a:p>
+            <a:pPr algn="ctr"/>
+            <a:endParaRPr lang="en-IN"/>
+          </a:p>
+        </p:txBody>
+      </p:sp>
     </p:spTree>
     <p:extLst>
       <p:ext uri="{BB962C8B-B14F-4D97-AF65-F5344CB8AC3E}">
